--- a/ABCs/documentum/community main img.pptx
+++ b/ABCs/documentum/community main img.pptx
@@ -6,6 +6,7 @@
   </p:sldMasterIdLst>
   <p:sldIdLst>
     <p:sldId id="256" r:id="rId2"/>
+    <p:sldId id="257" r:id="rId3"/>
   </p:sldIdLst>
   <p:sldSz cx="12192000" cy="6858000"/>
   <p:notesSz cx="6858000" cy="9144000"/>
@@ -104,6 +105,11 @@
       </a:defRPr>
     </a:lvl9pPr>
   </p:defaultTextStyle>
+  <p:extLst>
+    <p:ext uri="{EFAFB233-063F-42B5-8137-9DF3F51BA10A}">
+      <p15:sldGuideLst xmlns:p15="http://schemas.microsoft.com/office/powerpoint/2012/main"/>
+    </p:ext>
+  </p:extLst>
 </p:presentation>
 </file>
 
@@ -238,7 +244,7 @@
           <a:p>
             <a:fld id="{FBB52BB6-E37A-48B6-9966-A9AF97AC07AD}" type="datetimeFigureOut">
               <a:rPr lang="ko-KR" altLang="en-US" smtClean="0"/>
-              <a:t>2022-12-09</a:t>
+              <a:t>2022-12-19</a:t>
             </a:fld>
             <a:endParaRPr lang="ko-KR" altLang="en-US"/>
           </a:p>
@@ -408,7 +414,7 @@
           <a:p>
             <a:fld id="{FBB52BB6-E37A-48B6-9966-A9AF97AC07AD}" type="datetimeFigureOut">
               <a:rPr lang="ko-KR" altLang="en-US" smtClean="0"/>
-              <a:t>2022-12-09</a:t>
+              <a:t>2022-12-19</a:t>
             </a:fld>
             <a:endParaRPr lang="ko-KR" altLang="en-US"/>
           </a:p>
@@ -588,7 +594,7 @@
           <a:p>
             <a:fld id="{FBB52BB6-E37A-48B6-9966-A9AF97AC07AD}" type="datetimeFigureOut">
               <a:rPr lang="ko-KR" altLang="en-US" smtClean="0"/>
-              <a:t>2022-12-09</a:t>
+              <a:t>2022-12-19</a:t>
             </a:fld>
             <a:endParaRPr lang="ko-KR" altLang="en-US"/>
           </a:p>
@@ -758,7 +764,7 @@
           <a:p>
             <a:fld id="{FBB52BB6-E37A-48B6-9966-A9AF97AC07AD}" type="datetimeFigureOut">
               <a:rPr lang="ko-KR" altLang="en-US" smtClean="0"/>
-              <a:t>2022-12-09</a:t>
+              <a:t>2022-12-19</a:t>
             </a:fld>
             <a:endParaRPr lang="ko-KR" altLang="en-US"/>
           </a:p>
@@ -1004,7 +1010,7 @@
           <a:p>
             <a:fld id="{FBB52BB6-E37A-48B6-9966-A9AF97AC07AD}" type="datetimeFigureOut">
               <a:rPr lang="ko-KR" altLang="en-US" smtClean="0"/>
-              <a:t>2022-12-09</a:t>
+              <a:t>2022-12-19</a:t>
             </a:fld>
             <a:endParaRPr lang="ko-KR" altLang="en-US"/>
           </a:p>
@@ -1236,7 +1242,7 @@
           <a:p>
             <a:fld id="{FBB52BB6-E37A-48B6-9966-A9AF97AC07AD}" type="datetimeFigureOut">
               <a:rPr lang="ko-KR" altLang="en-US" smtClean="0"/>
-              <a:t>2022-12-09</a:t>
+              <a:t>2022-12-19</a:t>
             </a:fld>
             <a:endParaRPr lang="ko-KR" altLang="en-US"/>
           </a:p>
@@ -1603,7 +1609,7 @@
           <a:p>
             <a:fld id="{FBB52BB6-E37A-48B6-9966-A9AF97AC07AD}" type="datetimeFigureOut">
               <a:rPr lang="ko-KR" altLang="en-US" smtClean="0"/>
-              <a:t>2022-12-09</a:t>
+              <a:t>2022-12-19</a:t>
             </a:fld>
             <a:endParaRPr lang="ko-KR" altLang="en-US"/>
           </a:p>
@@ -1721,7 +1727,7 @@
           <a:p>
             <a:fld id="{FBB52BB6-E37A-48B6-9966-A9AF97AC07AD}" type="datetimeFigureOut">
               <a:rPr lang="ko-KR" altLang="en-US" smtClean="0"/>
-              <a:t>2022-12-09</a:t>
+              <a:t>2022-12-19</a:t>
             </a:fld>
             <a:endParaRPr lang="ko-KR" altLang="en-US"/>
           </a:p>
@@ -1816,7 +1822,7 @@
           <a:p>
             <a:fld id="{FBB52BB6-E37A-48B6-9966-A9AF97AC07AD}" type="datetimeFigureOut">
               <a:rPr lang="ko-KR" altLang="en-US" smtClean="0"/>
-              <a:t>2022-12-09</a:t>
+              <a:t>2022-12-19</a:t>
             </a:fld>
             <a:endParaRPr lang="ko-KR" altLang="en-US"/>
           </a:p>
@@ -2093,7 +2099,7 @@
           <a:p>
             <a:fld id="{FBB52BB6-E37A-48B6-9966-A9AF97AC07AD}" type="datetimeFigureOut">
               <a:rPr lang="ko-KR" altLang="en-US" smtClean="0"/>
-              <a:t>2022-12-09</a:t>
+              <a:t>2022-12-19</a:t>
             </a:fld>
             <a:endParaRPr lang="ko-KR" altLang="en-US"/>
           </a:p>
@@ -2346,7 +2352,7 @@
           <a:p>
             <a:fld id="{FBB52BB6-E37A-48B6-9966-A9AF97AC07AD}" type="datetimeFigureOut">
               <a:rPr lang="ko-KR" altLang="en-US" smtClean="0"/>
-              <a:t>2022-12-09</a:t>
+              <a:t>2022-12-19</a:t>
             </a:fld>
             <a:endParaRPr lang="ko-KR" altLang="en-US"/>
           </a:p>
@@ -2559,7 +2565,7 @@
           <a:p>
             <a:fld id="{FBB52BB6-E37A-48B6-9966-A9AF97AC07AD}" type="datetimeFigureOut">
               <a:rPr lang="ko-KR" altLang="en-US" smtClean="0"/>
-              <a:t>2022-12-09</a:t>
+              <a:t>2022-12-19</a:t>
             </a:fld>
             <a:endParaRPr lang="ko-KR" altLang="en-US"/>
           </a:p>
@@ -4834,6 +4840,1625 @@
 </p:sld>
 </file>
 
+<file path=ppt/slides/slide2.xml><?xml version="1.0" encoding="utf-8"?>
+<p:sld xmlns:a="http://schemas.openxmlformats.org/drawingml/2006/main" xmlns:r="http://schemas.openxmlformats.org/officeDocument/2006/relationships" xmlns:p="http://schemas.openxmlformats.org/presentationml/2006/main">
+  <p:cSld>
+    <p:spTree>
+      <p:nvGrpSpPr>
+        <p:cNvPr id="1" name=""/>
+        <p:cNvGrpSpPr/>
+        <p:nvPr/>
+      </p:nvGrpSpPr>
+      <p:grpSpPr>
+        <a:xfrm>
+          <a:off x="0" y="0"/>
+          <a:ext cx="0" cy="0"/>
+          <a:chOff x="0" y="0"/>
+          <a:chExt cx="0" cy="0"/>
+        </a:xfrm>
+      </p:grpSpPr>
+      <p:sp>
+        <p:nvSpPr>
+          <p:cNvPr id="85" name="직사각형 84"/>
+          <p:cNvSpPr/>
+          <p:nvPr/>
+        </p:nvSpPr>
+        <p:spPr>
+          <a:xfrm>
+            <a:off x="2857500" y="2305050"/>
+            <a:ext cx="5895975" cy="1098550"/>
+          </a:xfrm>
+          <a:prstGeom prst="rect">
+            <a:avLst/>
+          </a:prstGeom>
+          <a:solidFill>
+            <a:schemeClr val="tx1">
+              <a:lumMod val="65000"/>
+              <a:lumOff val="35000"/>
+            </a:schemeClr>
+          </a:solidFill>
+          <a:ln>
+            <a:noFill/>
+          </a:ln>
+        </p:spPr>
+        <p:style>
+          <a:lnRef idx="2">
+            <a:schemeClr val="accent1">
+              <a:shade val="50000"/>
+            </a:schemeClr>
+          </a:lnRef>
+          <a:fillRef idx="1">
+            <a:schemeClr val="accent1"/>
+          </a:fillRef>
+          <a:effectRef idx="0">
+            <a:schemeClr val="accent1"/>
+          </a:effectRef>
+          <a:fontRef idx="minor">
+            <a:schemeClr val="lt1"/>
+          </a:fontRef>
+        </p:style>
+        <p:txBody>
+          <a:bodyPr rtlCol="0" anchor="ctr"/>
+          <a:lstStyle/>
+          <a:p>
+            <a:pPr algn="ctr"/>
+            <a:endParaRPr lang="ko-KR" altLang="en-US"/>
+          </a:p>
+        </p:txBody>
+      </p:sp>
+      <p:grpSp>
+        <p:nvGrpSpPr>
+          <p:cNvPr id="78" name="그룹 77"/>
+          <p:cNvGrpSpPr/>
+          <p:nvPr/>
+        </p:nvGrpSpPr>
+        <p:grpSpPr>
+          <a:xfrm>
+            <a:off x="4693863" y="2826511"/>
+            <a:ext cx="775523" cy="451463"/>
+            <a:chOff x="5654821" y="4287807"/>
+            <a:chExt cx="891783" cy="519143"/>
+          </a:xfrm>
+        </p:grpSpPr>
+        <p:sp>
+          <p:nvSpPr>
+            <p:cNvPr id="79" name="직사각형 78"/>
+            <p:cNvSpPr/>
+            <p:nvPr/>
+          </p:nvSpPr>
+          <p:spPr>
+            <a:xfrm>
+              <a:off x="5654821" y="4287807"/>
+              <a:ext cx="891783" cy="52573"/>
+            </a:xfrm>
+            <a:prstGeom prst="rect">
+              <a:avLst/>
+            </a:prstGeom>
+            <a:solidFill>
+              <a:schemeClr val="bg1">
+                <a:lumMod val="65000"/>
+              </a:schemeClr>
+            </a:solidFill>
+            <a:ln>
+              <a:noFill/>
+            </a:ln>
+          </p:spPr>
+          <p:style>
+            <a:lnRef idx="2">
+              <a:schemeClr val="accent1">
+                <a:shade val="50000"/>
+              </a:schemeClr>
+            </a:lnRef>
+            <a:fillRef idx="1">
+              <a:schemeClr val="accent1"/>
+            </a:fillRef>
+            <a:effectRef idx="0">
+              <a:schemeClr val="accent1"/>
+            </a:effectRef>
+            <a:fontRef idx="minor">
+              <a:schemeClr val="lt1"/>
+            </a:fontRef>
+          </p:style>
+          <p:txBody>
+            <a:bodyPr rtlCol="0" anchor="ctr"/>
+            <a:lstStyle/>
+            <a:p>
+              <a:pPr algn="ctr"/>
+              <a:endParaRPr lang="ko-KR" altLang="en-US"/>
+            </a:p>
+          </p:txBody>
+        </p:sp>
+        <p:sp>
+          <p:nvSpPr>
+            <p:cNvPr id="80" name="직사각형 79"/>
+            <p:cNvSpPr/>
+            <p:nvPr/>
+          </p:nvSpPr>
+          <p:spPr>
+            <a:xfrm>
+              <a:off x="5711837" y="4383057"/>
+              <a:ext cx="771776" cy="131793"/>
+            </a:xfrm>
+            <a:prstGeom prst="rect">
+              <a:avLst/>
+            </a:prstGeom>
+            <a:solidFill>
+              <a:schemeClr val="bg1">
+                <a:lumMod val="65000"/>
+              </a:schemeClr>
+            </a:solidFill>
+            <a:ln>
+              <a:noFill/>
+            </a:ln>
+          </p:spPr>
+          <p:style>
+            <a:lnRef idx="2">
+              <a:schemeClr val="accent1">
+                <a:shade val="50000"/>
+              </a:schemeClr>
+            </a:lnRef>
+            <a:fillRef idx="1">
+              <a:schemeClr val="accent1"/>
+            </a:fillRef>
+            <a:effectRef idx="0">
+              <a:schemeClr val="accent1"/>
+            </a:effectRef>
+            <a:fontRef idx="minor">
+              <a:schemeClr val="lt1"/>
+            </a:fontRef>
+          </p:style>
+          <p:txBody>
+            <a:bodyPr rtlCol="0" anchor="ctr"/>
+            <a:lstStyle/>
+            <a:p>
+              <a:pPr algn="ctr"/>
+              <a:endParaRPr lang="ko-KR" altLang="en-US"/>
+            </a:p>
+          </p:txBody>
+        </p:sp>
+        <p:sp>
+          <p:nvSpPr>
+            <p:cNvPr id="81" name="직사각형 80"/>
+            <p:cNvSpPr/>
+            <p:nvPr/>
+          </p:nvSpPr>
+          <p:spPr>
+            <a:xfrm>
+              <a:off x="5712896" y="4514850"/>
+              <a:ext cx="255549" cy="292100"/>
+            </a:xfrm>
+            <a:prstGeom prst="rect">
+              <a:avLst/>
+            </a:prstGeom>
+            <a:solidFill>
+              <a:schemeClr val="bg1">
+                <a:lumMod val="65000"/>
+              </a:schemeClr>
+            </a:solidFill>
+            <a:ln>
+              <a:noFill/>
+            </a:ln>
+          </p:spPr>
+          <p:style>
+            <a:lnRef idx="2">
+              <a:schemeClr val="accent1">
+                <a:shade val="50000"/>
+              </a:schemeClr>
+            </a:lnRef>
+            <a:fillRef idx="1">
+              <a:schemeClr val="accent1"/>
+            </a:fillRef>
+            <a:effectRef idx="0">
+              <a:schemeClr val="accent1"/>
+            </a:effectRef>
+            <a:fontRef idx="minor">
+              <a:schemeClr val="lt1"/>
+            </a:fontRef>
+          </p:style>
+          <p:txBody>
+            <a:bodyPr rtlCol="0" anchor="ctr"/>
+            <a:lstStyle/>
+            <a:p>
+              <a:pPr algn="ctr"/>
+              <a:endParaRPr lang="ko-KR" altLang="en-US"/>
+            </a:p>
+          </p:txBody>
+        </p:sp>
+        <p:sp>
+          <p:nvSpPr>
+            <p:cNvPr id="84" name="직사각형 83"/>
+            <p:cNvSpPr/>
+            <p:nvPr/>
+          </p:nvSpPr>
+          <p:spPr>
+            <a:xfrm>
+              <a:off x="6228064" y="4514850"/>
+              <a:ext cx="255549" cy="292100"/>
+            </a:xfrm>
+            <a:prstGeom prst="rect">
+              <a:avLst/>
+            </a:prstGeom>
+            <a:solidFill>
+              <a:schemeClr val="bg1">
+                <a:lumMod val="65000"/>
+              </a:schemeClr>
+            </a:solidFill>
+            <a:ln>
+              <a:noFill/>
+            </a:ln>
+          </p:spPr>
+          <p:style>
+            <a:lnRef idx="2">
+              <a:schemeClr val="accent1">
+                <a:shade val="50000"/>
+              </a:schemeClr>
+            </a:lnRef>
+            <a:fillRef idx="1">
+              <a:schemeClr val="accent1"/>
+            </a:fillRef>
+            <a:effectRef idx="0">
+              <a:schemeClr val="accent1"/>
+            </a:effectRef>
+            <a:fontRef idx="minor">
+              <a:schemeClr val="lt1"/>
+            </a:fontRef>
+          </p:style>
+          <p:txBody>
+            <a:bodyPr rtlCol="0" anchor="ctr"/>
+            <a:lstStyle/>
+            <a:p>
+              <a:pPr algn="ctr"/>
+              <a:endParaRPr lang="ko-KR" altLang="en-US"/>
+            </a:p>
+          </p:txBody>
+        </p:sp>
+      </p:grpSp>
+      <p:grpSp>
+        <p:nvGrpSpPr>
+          <p:cNvPr id="77" name="그룹 76"/>
+          <p:cNvGrpSpPr/>
+          <p:nvPr/>
+        </p:nvGrpSpPr>
+        <p:grpSpPr>
+          <a:xfrm>
+            <a:off x="3135435" y="2675889"/>
+            <a:ext cx="588489" cy="602086"/>
+            <a:chOff x="2873879" y="2388955"/>
+            <a:chExt cx="868942" cy="889019"/>
+          </a:xfrm>
+        </p:grpSpPr>
+        <p:sp>
+          <p:nvSpPr>
+            <p:cNvPr id="71" name="직사각형 70"/>
+            <p:cNvSpPr/>
+            <p:nvPr/>
+          </p:nvSpPr>
+          <p:spPr>
+            <a:xfrm>
+              <a:off x="3007691" y="2969224"/>
+              <a:ext cx="735130" cy="308749"/>
+            </a:xfrm>
+            <a:prstGeom prst="rect">
+              <a:avLst/>
+            </a:prstGeom>
+            <a:solidFill>
+              <a:schemeClr val="bg1">
+                <a:lumMod val="65000"/>
+              </a:schemeClr>
+            </a:solidFill>
+            <a:ln>
+              <a:noFill/>
+            </a:ln>
+          </p:spPr>
+          <p:style>
+            <a:lnRef idx="2">
+              <a:schemeClr val="accent1">
+                <a:shade val="50000"/>
+              </a:schemeClr>
+            </a:lnRef>
+            <a:fillRef idx="1">
+              <a:schemeClr val="accent1"/>
+            </a:fillRef>
+            <a:effectRef idx="0">
+              <a:schemeClr val="accent1"/>
+            </a:effectRef>
+            <a:fontRef idx="minor">
+              <a:schemeClr val="lt1"/>
+            </a:fontRef>
+          </p:style>
+          <p:txBody>
+            <a:bodyPr rtlCol="0" anchor="ctr"/>
+            <a:lstStyle/>
+            <a:p>
+              <a:pPr algn="ctr"/>
+              <a:endParaRPr lang="ko-KR" altLang="en-US"/>
+            </a:p>
+          </p:txBody>
+        </p:sp>
+        <p:sp>
+          <p:nvSpPr>
+            <p:cNvPr id="73" name="이등변 삼각형 72"/>
+            <p:cNvSpPr/>
+            <p:nvPr/>
+          </p:nvSpPr>
+          <p:spPr>
+            <a:xfrm>
+              <a:off x="3007691" y="2683474"/>
+              <a:ext cx="300659" cy="285750"/>
+            </a:xfrm>
+            <a:prstGeom prst="triangle">
+              <a:avLst>
+                <a:gd name="adj" fmla="val 100000"/>
+              </a:avLst>
+            </a:prstGeom>
+            <a:solidFill>
+              <a:schemeClr val="bg1">
+                <a:lumMod val="65000"/>
+              </a:schemeClr>
+            </a:solidFill>
+            <a:ln>
+              <a:noFill/>
+            </a:ln>
+          </p:spPr>
+          <p:style>
+            <a:lnRef idx="2">
+              <a:schemeClr val="accent1">
+                <a:shade val="50000"/>
+              </a:schemeClr>
+            </a:lnRef>
+            <a:fillRef idx="1">
+              <a:schemeClr val="accent1"/>
+            </a:fillRef>
+            <a:effectRef idx="0">
+              <a:schemeClr val="accent1"/>
+            </a:effectRef>
+            <a:fontRef idx="minor">
+              <a:schemeClr val="lt1"/>
+            </a:fontRef>
+          </p:style>
+          <p:txBody>
+            <a:bodyPr rtlCol="0" anchor="ctr"/>
+            <a:lstStyle/>
+            <a:p>
+              <a:pPr algn="ctr"/>
+              <a:endParaRPr lang="ko-KR" altLang="en-US"/>
+            </a:p>
+          </p:txBody>
+        </p:sp>
+        <p:sp>
+          <p:nvSpPr>
+            <p:cNvPr id="74" name="이등변 삼각형 73"/>
+            <p:cNvSpPr/>
+            <p:nvPr/>
+          </p:nvSpPr>
+          <p:spPr>
+            <a:xfrm>
+              <a:off x="3217361" y="2683474"/>
+              <a:ext cx="300659" cy="285750"/>
+            </a:xfrm>
+            <a:prstGeom prst="triangle">
+              <a:avLst>
+                <a:gd name="adj" fmla="val 100000"/>
+              </a:avLst>
+            </a:prstGeom>
+            <a:solidFill>
+              <a:schemeClr val="bg1">
+                <a:lumMod val="65000"/>
+              </a:schemeClr>
+            </a:solidFill>
+            <a:ln>
+              <a:noFill/>
+            </a:ln>
+          </p:spPr>
+          <p:style>
+            <a:lnRef idx="2">
+              <a:schemeClr val="accent1">
+                <a:shade val="50000"/>
+              </a:schemeClr>
+            </a:lnRef>
+            <a:fillRef idx="1">
+              <a:schemeClr val="accent1"/>
+            </a:fillRef>
+            <a:effectRef idx="0">
+              <a:schemeClr val="accent1"/>
+            </a:effectRef>
+            <a:fontRef idx="minor">
+              <a:schemeClr val="lt1"/>
+            </a:fontRef>
+          </p:style>
+          <p:txBody>
+            <a:bodyPr rtlCol="0" anchor="ctr"/>
+            <a:lstStyle/>
+            <a:p>
+              <a:pPr algn="ctr"/>
+              <a:endParaRPr lang="ko-KR" altLang="en-US"/>
+            </a:p>
+          </p:txBody>
+        </p:sp>
+        <p:sp>
+          <p:nvSpPr>
+            <p:cNvPr id="75" name="이등변 삼각형 74"/>
+            <p:cNvSpPr/>
+            <p:nvPr/>
+          </p:nvSpPr>
+          <p:spPr>
+            <a:xfrm>
+              <a:off x="3442162" y="2683474"/>
+              <a:ext cx="300659" cy="285750"/>
+            </a:xfrm>
+            <a:prstGeom prst="triangle">
+              <a:avLst>
+                <a:gd name="adj" fmla="val 100000"/>
+              </a:avLst>
+            </a:prstGeom>
+            <a:solidFill>
+              <a:schemeClr val="bg1">
+                <a:lumMod val="65000"/>
+              </a:schemeClr>
+            </a:solidFill>
+            <a:ln>
+              <a:noFill/>
+            </a:ln>
+          </p:spPr>
+          <p:style>
+            <a:lnRef idx="2">
+              <a:schemeClr val="accent1">
+                <a:shade val="50000"/>
+              </a:schemeClr>
+            </a:lnRef>
+            <a:fillRef idx="1">
+              <a:schemeClr val="accent1"/>
+            </a:fillRef>
+            <a:effectRef idx="0">
+              <a:schemeClr val="accent1"/>
+            </a:effectRef>
+            <a:fontRef idx="minor">
+              <a:schemeClr val="lt1"/>
+            </a:fontRef>
+          </p:style>
+          <p:txBody>
+            <a:bodyPr rtlCol="0" anchor="ctr"/>
+            <a:lstStyle/>
+            <a:p>
+              <a:pPr algn="ctr"/>
+              <a:endParaRPr lang="ko-KR" altLang="en-US"/>
+            </a:p>
+          </p:txBody>
+        </p:sp>
+        <p:sp>
+          <p:nvSpPr>
+            <p:cNvPr id="76" name="직사각형 75"/>
+            <p:cNvSpPr/>
+            <p:nvPr/>
+          </p:nvSpPr>
+          <p:spPr>
+            <a:xfrm>
+              <a:off x="2873879" y="2388955"/>
+              <a:ext cx="134975" cy="889019"/>
+            </a:xfrm>
+            <a:prstGeom prst="rect">
+              <a:avLst/>
+            </a:prstGeom>
+            <a:solidFill>
+              <a:schemeClr val="bg1">
+                <a:lumMod val="65000"/>
+              </a:schemeClr>
+            </a:solidFill>
+            <a:ln>
+              <a:noFill/>
+            </a:ln>
+          </p:spPr>
+          <p:style>
+            <a:lnRef idx="2">
+              <a:schemeClr val="accent1">
+                <a:shade val="50000"/>
+              </a:schemeClr>
+            </a:lnRef>
+            <a:fillRef idx="1">
+              <a:schemeClr val="accent1"/>
+            </a:fillRef>
+            <a:effectRef idx="0">
+              <a:schemeClr val="accent1"/>
+            </a:effectRef>
+            <a:fontRef idx="minor">
+              <a:schemeClr val="lt1"/>
+            </a:fontRef>
+          </p:style>
+          <p:txBody>
+            <a:bodyPr rtlCol="0" anchor="ctr"/>
+            <a:lstStyle/>
+            <a:p>
+              <a:pPr algn="ctr"/>
+              <a:endParaRPr lang="ko-KR" altLang="en-US"/>
+            </a:p>
+          </p:txBody>
+        </p:sp>
+      </p:grpSp>
+      <p:grpSp>
+        <p:nvGrpSpPr>
+          <p:cNvPr id="72" name="그룹 71"/>
+          <p:cNvGrpSpPr/>
+          <p:nvPr/>
+        </p:nvGrpSpPr>
+        <p:grpSpPr>
+          <a:xfrm>
+            <a:off x="3754130" y="2641141"/>
+            <a:ext cx="891783" cy="636832"/>
+            <a:chOff x="4777945" y="2641141"/>
+            <a:chExt cx="891783" cy="636832"/>
+          </a:xfrm>
+        </p:grpSpPr>
+        <p:sp>
+          <p:nvSpPr>
+            <p:cNvPr id="5" name="직사각형 4"/>
+            <p:cNvSpPr/>
+            <p:nvPr/>
+          </p:nvSpPr>
+          <p:spPr>
+            <a:xfrm>
+              <a:off x="4777945" y="2641141"/>
+              <a:ext cx="891783" cy="636832"/>
+            </a:xfrm>
+            <a:prstGeom prst="rect">
+              <a:avLst/>
+            </a:prstGeom>
+            <a:solidFill>
+              <a:schemeClr val="bg1">
+                <a:lumMod val="65000"/>
+              </a:schemeClr>
+            </a:solidFill>
+            <a:ln>
+              <a:noFill/>
+            </a:ln>
+          </p:spPr>
+          <p:style>
+            <a:lnRef idx="2">
+              <a:schemeClr val="accent1">
+                <a:shade val="50000"/>
+              </a:schemeClr>
+            </a:lnRef>
+            <a:fillRef idx="1">
+              <a:schemeClr val="accent1"/>
+            </a:fillRef>
+            <a:effectRef idx="0">
+              <a:schemeClr val="accent1"/>
+            </a:effectRef>
+            <a:fontRef idx="minor">
+              <a:schemeClr val="lt1"/>
+            </a:fontRef>
+          </p:style>
+          <p:txBody>
+            <a:bodyPr rtlCol="0" anchor="ctr"/>
+            <a:lstStyle/>
+            <a:p>
+              <a:pPr algn="ctr"/>
+              <a:endParaRPr lang="ko-KR" altLang="en-US"/>
+            </a:p>
+          </p:txBody>
+        </p:sp>
+        <p:sp>
+          <p:nvSpPr>
+            <p:cNvPr id="30" name="직사각형 29"/>
+            <p:cNvSpPr/>
+            <p:nvPr/>
+          </p:nvSpPr>
+          <p:spPr>
+            <a:xfrm>
+              <a:off x="4896215" y="2717341"/>
+              <a:ext cx="45719" cy="81188"/>
+            </a:xfrm>
+            <a:prstGeom prst="rect">
+              <a:avLst/>
+            </a:prstGeom>
+            <a:solidFill>
+              <a:schemeClr val="tx1">
+                <a:lumMod val="65000"/>
+                <a:lumOff val="35000"/>
+              </a:schemeClr>
+            </a:solidFill>
+            <a:ln>
+              <a:noFill/>
+            </a:ln>
+          </p:spPr>
+          <p:style>
+            <a:lnRef idx="2">
+              <a:schemeClr val="accent1">
+                <a:shade val="50000"/>
+              </a:schemeClr>
+            </a:lnRef>
+            <a:fillRef idx="1">
+              <a:schemeClr val="accent1"/>
+            </a:fillRef>
+            <a:effectRef idx="0">
+              <a:schemeClr val="accent1"/>
+            </a:effectRef>
+            <a:fontRef idx="minor">
+              <a:schemeClr val="lt1"/>
+            </a:fontRef>
+          </p:style>
+          <p:txBody>
+            <a:bodyPr rtlCol="0" anchor="ctr"/>
+            <a:lstStyle/>
+            <a:p>
+              <a:pPr algn="ctr"/>
+              <a:endParaRPr lang="ko-KR" altLang="en-US"/>
+            </a:p>
+          </p:txBody>
+        </p:sp>
+        <p:sp>
+          <p:nvSpPr>
+            <p:cNvPr id="44" name="직사각형 43"/>
+            <p:cNvSpPr/>
+            <p:nvPr/>
+          </p:nvSpPr>
+          <p:spPr>
+            <a:xfrm>
+              <a:off x="4896215" y="2884028"/>
+              <a:ext cx="45719" cy="81188"/>
+            </a:xfrm>
+            <a:prstGeom prst="rect">
+              <a:avLst/>
+            </a:prstGeom>
+            <a:solidFill>
+              <a:schemeClr val="tx1">
+                <a:lumMod val="65000"/>
+                <a:lumOff val="35000"/>
+              </a:schemeClr>
+            </a:solidFill>
+            <a:ln>
+              <a:noFill/>
+            </a:ln>
+          </p:spPr>
+          <p:style>
+            <a:lnRef idx="2">
+              <a:schemeClr val="accent1">
+                <a:shade val="50000"/>
+              </a:schemeClr>
+            </a:lnRef>
+            <a:fillRef idx="1">
+              <a:schemeClr val="accent1"/>
+            </a:fillRef>
+            <a:effectRef idx="0">
+              <a:schemeClr val="accent1"/>
+            </a:effectRef>
+            <a:fontRef idx="minor">
+              <a:schemeClr val="lt1"/>
+            </a:fontRef>
+          </p:style>
+          <p:txBody>
+            <a:bodyPr rtlCol="0" anchor="ctr"/>
+            <a:lstStyle/>
+            <a:p>
+              <a:pPr algn="ctr"/>
+              <a:endParaRPr lang="ko-KR" altLang="en-US"/>
+            </a:p>
+          </p:txBody>
+        </p:sp>
+        <p:sp>
+          <p:nvSpPr>
+            <p:cNvPr id="57" name="직사각형 56"/>
+            <p:cNvSpPr/>
+            <p:nvPr/>
+          </p:nvSpPr>
+          <p:spPr>
+            <a:xfrm>
+              <a:off x="5048615" y="2717341"/>
+              <a:ext cx="45719" cy="81188"/>
+            </a:xfrm>
+            <a:prstGeom prst="rect">
+              <a:avLst/>
+            </a:prstGeom>
+            <a:solidFill>
+              <a:schemeClr val="tx1">
+                <a:lumMod val="65000"/>
+                <a:lumOff val="35000"/>
+              </a:schemeClr>
+            </a:solidFill>
+            <a:ln>
+              <a:noFill/>
+            </a:ln>
+          </p:spPr>
+          <p:style>
+            <a:lnRef idx="2">
+              <a:schemeClr val="accent1">
+                <a:shade val="50000"/>
+              </a:schemeClr>
+            </a:lnRef>
+            <a:fillRef idx="1">
+              <a:schemeClr val="accent1"/>
+            </a:fillRef>
+            <a:effectRef idx="0">
+              <a:schemeClr val="accent1"/>
+            </a:effectRef>
+            <a:fontRef idx="minor">
+              <a:schemeClr val="lt1"/>
+            </a:fontRef>
+          </p:style>
+          <p:txBody>
+            <a:bodyPr rtlCol="0" anchor="ctr"/>
+            <a:lstStyle/>
+            <a:p>
+              <a:pPr algn="ctr"/>
+              <a:endParaRPr lang="ko-KR" altLang="en-US"/>
+            </a:p>
+          </p:txBody>
+        </p:sp>
+        <p:sp>
+          <p:nvSpPr>
+            <p:cNvPr id="58" name="직사각형 57"/>
+            <p:cNvSpPr/>
+            <p:nvPr/>
+          </p:nvSpPr>
+          <p:spPr>
+            <a:xfrm>
+              <a:off x="5048615" y="2884028"/>
+              <a:ext cx="45719" cy="81188"/>
+            </a:xfrm>
+            <a:prstGeom prst="rect">
+              <a:avLst/>
+            </a:prstGeom>
+            <a:solidFill>
+              <a:schemeClr val="tx1">
+                <a:lumMod val="65000"/>
+                <a:lumOff val="35000"/>
+              </a:schemeClr>
+            </a:solidFill>
+            <a:ln>
+              <a:noFill/>
+            </a:ln>
+          </p:spPr>
+          <p:style>
+            <a:lnRef idx="2">
+              <a:schemeClr val="accent1">
+                <a:shade val="50000"/>
+              </a:schemeClr>
+            </a:lnRef>
+            <a:fillRef idx="1">
+              <a:schemeClr val="accent1"/>
+            </a:fillRef>
+            <a:effectRef idx="0">
+              <a:schemeClr val="accent1"/>
+            </a:effectRef>
+            <a:fontRef idx="minor">
+              <a:schemeClr val="lt1"/>
+            </a:fontRef>
+          </p:style>
+          <p:txBody>
+            <a:bodyPr rtlCol="0" anchor="ctr"/>
+            <a:lstStyle/>
+            <a:p>
+              <a:pPr algn="ctr"/>
+              <a:endParaRPr lang="ko-KR" altLang="en-US"/>
+            </a:p>
+          </p:txBody>
+        </p:sp>
+        <p:sp>
+          <p:nvSpPr>
+            <p:cNvPr id="61" name="직사각형 60"/>
+            <p:cNvSpPr/>
+            <p:nvPr/>
+          </p:nvSpPr>
+          <p:spPr>
+            <a:xfrm>
+              <a:off x="5201015" y="2717341"/>
+              <a:ext cx="45719" cy="81188"/>
+            </a:xfrm>
+            <a:prstGeom prst="rect">
+              <a:avLst/>
+            </a:prstGeom>
+            <a:solidFill>
+              <a:schemeClr val="tx1">
+                <a:lumMod val="65000"/>
+                <a:lumOff val="35000"/>
+              </a:schemeClr>
+            </a:solidFill>
+            <a:ln>
+              <a:noFill/>
+            </a:ln>
+          </p:spPr>
+          <p:style>
+            <a:lnRef idx="2">
+              <a:schemeClr val="accent1">
+                <a:shade val="50000"/>
+              </a:schemeClr>
+            </a:lnRef>
+            <a:fillRef idx="1">
+              <a:schemeClr val="accent1"/>
+            </a:fillRef>
+            <a:effectRef idx="0">
+              <a:schemeClr val="accent1"/>
+            </a:effectRef>
+            <a:fontRef idx="minor">
+              <a:schemeClr val="lt1"/>
+            </a:fontRef>
+          </p:style>
+          <p:txBody>
+            <a:bodyPr rtlCol="0" anchor="ctr"/>
+            <a:lstStyle/>
+            <a:p>
+              <a:pPr algn="ctr"/>
+              <a:endParaRPr lang="ko-KR" altLang="en-US"/>
+            </a:p>
+          </p:txBody>
+        </p:sp>
+        <p:sp>
+          <p:nvSpPr>
+            <p:cNvPr id="62" name="직사각형 61"/>
+            <p:cNvSpPr/>
+            <p:nvPr/>
+          </p:nvSpPr>
+          <p:spPr>
+            <a:xfrm>
+              <a:off x="5201015" y="2884028"/>
+              <a:ext cx="45719" cy="81188"/>
+            </a:xfrm>
+            <a:prstGeom prst="rect">
+              <a:avLst/>
+            </a:prstGeom>
+            <a:solidFill>
+              <a:schemeClr val="tx1">
+                <a:lumMod val="65000"/>
+                <a:lumOff val="35000"/>
+              </a:schemeClr>
+            </a:solidFill>
+            <a:ln>
+              <a:noFill/>
+            </a:ln>
+          </p:spPr>
+          <p:style>
+            <a:lnRef idx="2">
+              <a:schemeClr val="accent1">
+                <a:shade val="50000"/>
+              </a:schemeClr>
+            </a:lnRef>
+            <a:fillRef idx="1">
+              <a:schemeClr val="accent1"/>
+            </a:fillRef>
+            <a:effectRef idx="0">
+              <a:schemeClr val="accent1"/>
+            </a:effectRef>
+            <a:fontRef idx="minor">
+              <a:schemeClr val="lt1"/>
+            </a:fontRef>
+          </p:style>
+          <p:txBody>
+            <a:bodyPr rtlCol="0" anchor="ctr"/>
+            <a:lstStyle/>
+            <a:p>
+              <a:pPr algn="ctr"/>
+              <a:endParaRPr lang="ko-KR" altLang="en-US"/>
+            </a:p>
+          </p:txBody>
+        </p:sp>
+        <p:sp>
+          <p:nvSpPr>
+            <p:cNvPr id="65" name="직사각형 64"/>
+            <p:cNvSpPr/>
+            <p:nvPr/>
+          </p:nvSpPr>
+          <p:spPr>
+            <a:xfrm>
+              <a:off x="5353415" y="2717341"/>
+              <a:ext cx="45719" cy="81188"/>
+            </a:xfrm>
+            <a:prstGeom prst="rect">
+              <a:avLst/>
+            </a:prstGeom>
+            <a:solidFill>
+              <a:schemeClr val="tx1">
+                <a:lumMod val="65000"/>
+                <a:lumOff val="35000"/>
+              </a:schemeClr>
+            </a:solidFill>
+            <a:ln>
+              <a:noFill/>
+            </a:ln>
+          </p:spPr>
+          <p:style>
+            <a:lnRef idx="2">
+              <a:schemeClr val="accent1">
+                <a:shade val="50000"/>
+              </a:schemeClr>
+            </a:lnRef>
+            <a:fillRef idx="1">
+              <a:schemeClr val="accent1"/>
+            </a:fillRef>
+            <a:effectRef idx="0">
+              <a:schemeClr val="accent1"/>
+            </a:effectRef>
+            <a:fontRef idx="minor">
+              <a:schemeClr val="lt1"/>
+            </a:fontRef>
+          </p:style>
+          <p:txBody>
+            <a:bodyPr rtlCol="0" anchor="ctr"/>
+            <a:lstStyle/>
+            <a:p>
+              <a:pPr algn="ctr"/>
+              <a:endParaRPr lang="ko-KR" altLang="en-US"/>
+            </a:p>
+          </p:txBody>
+        </p:sp>
+        <p:sp>
+          <p:nvSpPr>
+            <p:cNvPr id="66" name="직사각형 65"/>
+            <p:cNvSpPr/>
+            <p:nvPr/>
+          </p:nvSpPr>
+          <p:spPr>
+            <a:xfrm>
+              <a:off x="5353415" y="2884028"/>
+              <a:ext cx="45719" cy="81188"/>
+            </a:xfrm>
+            <a:prstGeom prst="rect">
+              <a:avLst/>
+            </a:prstGeom>
+            <a:solidFill>
+              <a:schemeClr val="tx1">
+                <a:lumMod val="65000"/>
+                <a:lumOff val="35000"/>
+              </a:schemeClr>
+            </a:solidFill>
+            <a:ln>
+              <a:noFill/>
+            </a:ln>
+          </p:spPr>
+          <p:style>
+            <a:lnRef idx="2">
+              <a:schemeClr val="accent1">
+                <a:shade val="50000"/>
+              </a:schemeClr>
+            </a:lnRef>
+            <a:fillRef idx="1">
+              <a:schemeClr val="accent1"/>
+            </a:fillRef>
+            <a:effectRef idx="0">
+              <a:schemeClr val="accent1"/>
+            </a:effectRef>
+            <a:fontRef idx="minor">
+              <a:schemeClr val="lt1"/>
+            </a:fontRef>
+          </p:style>
+          <p:txBody>
+            <a:bodyPr rtlCol="0" anchor="ctr"/>
+            <a:lstStyle/>
+            <a:p>
+              <a:pPr algn="ctr"/>
+              <a:endParaRPr lang="ko-KR" altLang="en-US"/>
+            </a:p>
+          </p:txBody>
+        </p:sp>
+        <p:sp>
+          <p:nvSpPr>
+            <p:cNvPr id="69" name="직사각형 68"/>
+            <p:cNvSpPr/>
+            <p:nvPr/>
+          </p:nvSpPr>
+          <p:spPr>
+            <a:xfrm>
+              <a:off x="5502365" y="2717341"/>
+              <a:ext cx="45719" cy="81188"/>
+            </a:xfrm>
+            <a:prstGeom prst="rect">
+              <a:avLst/>
+            </a:prstGeom>
+            <a:solidFill>
+              <a:schemeClr val="tx1">
+                <a:lumMod val="65000"/>
+                <a:lumOff val="35000"/>
+              </a:schemeClr>
+            </a:solidFill>
+            <a:ln>
+              <a:noFill/>
+            </a:ln>
+          </p:spPr>
+          <p:style>
+            <a:lnRef idx="2">
+              <a:schemeClr val="accent1">
+                <a:shade val="50000"/>
+              </a:schemeClr>
+            </a:lnRef>
+            <a:fillRef idx="1">
+              <a:schemeClr val="accent1"/>
+            </a:fillRef>
+            <a:effectRef idx="0">
+              <a:schemeClr val="accent1"/>
+            </a:effectRef>
+            <a:fontRef idx="minor">
+              <a:schemeClr val="lt1"/>
+            </a:fontRef>
+          </p:style>
+          <p:txBody>
+            <a:bodyPr rtlCol="0" anchor="ctr"/>
+            <a:lstStyle/>
+            <a:p>
+              <a:pPr algn="ctr"/>
+              <a:endParaRPr lang="ko-KR" altLang="en-US"/>
+            </a:p>
+          </p:txBody>
+        </p:sp>
+        <p:sp>
+          <p:nvSpPr>
+            <p:cNvPr id="70" name="직사각형 69"/>
+            <p:cNvSpPr/>
+            <p:nvPr/>
+          </p:nvSpPr>
+          <p:spPr>
+            <a:xfrm>
+              <a:off x="5502365" y="2884028"/>
+              <a:ext cx="45719" cy="81188"/>
+            </a:xfrm>
+            <a:prstGeom prst="rect">
+              <a:avLst/>
+            </a:prstGeom>
+            <a:solidFill>
+              <a:schemeClr val="tx1">
+                <a:lumMod val="65000"/>
+                <a:lumOff val="35000"/>
+              </a:schemeClr>
+            </a:solidFill>
+            <a:ln>
+              <a:noFill/>
+            </a:ln>
+          </p:spPr>
+          <p:style>
+            <a:lnRef idx="2">
+              <a:schemeClr val="accent1">
+                <a:shade val="50000"/>
+              </a:schemeClr>
+            </a:lnRef>
+            <a:fillRef idx="1">
+              <a:schemeClr val="accent1"/>
+            </a:fillRef>
+            <a:effectRef idx="0">
+              <a:schemeClr val="accent1"/>
+            </a:effectRef>
+            <a:fontRef idx="minor">
+              <a:schemeClr val="lt1"/>
+            </a:fontRef>
+          </p:style>
+          <p:txBody>
+            <a:bodyPr rtlCol="0" anchor="ctr"/>
+            <a:lstStyle/>
+            <a:p>
+              <a:pPr algn="ctr"/>
+              <a:endParaRPr lang="ko-KR" altLang="en-US"/>
+            </a:p>
+          </p:txBody>
+        </p:sp>
+      </p:grpSp>
+      <p:grpSp>
+        <p:nvGrpSpPr>
+          <p:cNvPr id="83" name="그룹 82"/>
+          <p:cNvGrpSpPr/>
+          <p:nvPr/>
+        </p:nvGrpSpPr>
+        <p:grpSpPr>
+          <a:xfrm>
+            <a:off x="3298350" y="2991192"/>
+            <a:ext cx="2139337" cy="322193"/>
+            <a:chOff x="3215800" y="2908642"/>
+            <a:chExt cx="2139337" cy="322193"/>
+          </a:xfrm>
+        </p:grpSpPr>
+        <p:sp>
+          <p:nvSpPr>
+            <p:cNvPr id="6" name="직사각형 5"/>
+            <p:cNvSpPr/>
+            <p:nvPr/>
+          </p:nvSpPr>
+          <p:spPr>
+            <a:xfrm>
+              <a:off x="3215800" y="2908642"/>
+              <a:ext cx="298480" cy="307777"/>
+            </a:xfrm>
+            <a:prstGeom prst="rect">
+              <a:avLst/>
+            </a:prstGeom>
+            <a:ln>
+              <a:noFill/>
+            </a:ln>
+          </p:spPr>
+          <p:txBody>
+            <a:bodyPr wrap="none">
+              <a:spAutoFit/>
+            </a:bodyPr>
+            <a:lstStyle/>
+            <a:p>
+              <a:r>
+                <a:rPr lang="en-US" altLang="ko-KR" sz="1400" b="1" dirty="0" smtClean="0">
+                  <a:solidFill>
+                    <a:schemeClr val="accent6">
+                      <a:lumMod val="20000"/>
+                      <a:lumOff val="80000"/>
+                    </a:schemeClr>
+                  </a:solidFill>
+                  <a:effectLst>
+                    <a:outerShdw blurRad="38100" dist="38100" dir="2700000" algn="tl">
+                      <a:srgbClr val="000000">
+                        <a:alpha val="43137"/>
+                      </a:srgbClr>
+                    </a:outerShdw>
+                  </a:effectLst>
+                  <a:latin typeface="Pretendard Light" panose="02000403000000020004" pitchFamily="50" charset="-127"/>
+                  <a:ea typeface="Pretendard Light" panose="02000403000000020004" pitchFamily="50" charset="-127"/>
+                  <a:cs typeface="Monotxt" panose="00000400000000000000" pitchFamily="2" charset="0"/>
+                </a:rPr>
+                <a:t>A</a:t>
+              </a:r>
+              <a:endParaRPr lang="ko-KR" altLang="en-US" sz="1400" b="1" dirty="0">
+                <a:solidFill>
+                  <a:schemeClr val="accent6">
+                    <a:lumMod val="20000"/>
+                    <a:lumOff val="80000"/>
+                  </a:schemeClr>
+                </a:solidFill>
+                <a:effectLst>
+                  <a:outerShdw blurRad="38100" dist="38100" dir="2700000" algn="tl">
+                    <a:srgbClr val="000000">
+                      <a:alpha val="43137"/>
+                    </a:srgbClr>
+                  </a:outerShdw>
+                </a:effectLst>
+                <a:latin typeface="Pretendard Light" panose="02000403000000020004" pitchFamily="50" charset="-127"/>
+                <a:ea typeface="Pretendard Light" panose="02000403000000020004" pitchFamily="50" charset="-127"/>
+                <a:cs typeface="Monotxt" panose="00000400000000000000" pitchFamily="2" charset="0"/>
+              </a:endParaRPr>
+            </a:p>
+          </p:txBody>
+        </p:sp>
+        <p:sp>
+          <p:nvSpPr>
+            <p:cNvPr id="7" name="직사각형 6"/>
+            <p:cNvSpPr/>
+            <p:nvPr/>
+          </p:nvSpPr>
+          <p:spPr>
+            <a:xfrm>
+              <a:off x="3955407" y="2908642"/>
+              <a:ext cx="295274" cy="307777"/>
+            </a:xfrm>
+            <a:prstGeom prst="rect">
+              <a:avLst/>
+            </a:prstGeom>
+          </p:spPr>
+          <p:txBody>
+            <a:bodyPr wrap="none">
+              <a:spAutoFit/>
+            </a:bodyPr>
+            <a:lstStyle/>
+            <a:p>
+              <a:r>
+                <a:rPr lang="en-US" altLang="ko-KR" sz="1400" b="1" dirty="0" smtClean="0">
+                  <a:solidFill>
+                    <a:schemeClr val="accent6">
+                      <a:lumMod val="20000"/>
+                      <a:lumOff val="80000"/>
+                    </a:schemeClr>
+                  </a:solidFill>
+                  <a:effectLst>
+                    <a:outerShdw blurRad="38100" dist="38100" dir="2700000" algn="tl">
+                      <a:srgbClr val="000000">
+                        <a:alpha val="43137"/>
+                      </a:srgbClr>
+                    </a:outerShdw>
+                  </a:effectLst>
+                  <a:latin typeface="Pretendard Light" panose="02000403000000020004" pitchFamily="50" charset="-127"/>
+                  <a:ea typeface="Pretendard Light" panose="02000403000000020004" pitchFamily="50" charset="-127"/>
+                  <a:cs typeface="Monotxt" panose="00000400000000000000" pitchFamily="2" charset="0"/>
+                </a:rPr>
+                <a:t>B</a:t>
+              </a:r>
+              <a:endParaRPr lang="ko-KR" altLang="en-US" sz="1400" b="1" dirty="0">
+                <a:solidFill>
+                  <a:schemeClr val="accent6">
+                    <a:lumMod val="20000"/>
+                    <a:lumOff val="80000"/>
+                  </a:schemeClr>
+                </a:solidFill>
+                <a:effectLst>
+                  <a:outerShdw blurRad="38100" dist="38100" dir="2700000" algn="tl">
+                    <a:srgbClr val="000000">
+                      <a:alpha val="43137"/>
+                    </a:srgbClr>
+                  </a:outerShdw>
+                </a:effectLst>
+                <a:latin typeface="Pretendard Light" panose="02000403000000020004" pitchFamily="50" charset="-127"/>
+                <a:ea typeface="Pretendard Light" panose="02000403000000020004" pitchFamily="50" charset="-127"/>
+                <a:cs typeface="Monotxt" panose="00000400000000000000" pitchFamily="2" charset="0"/>
+              </a:endParaRPr>
+            </a:p>
+          </p:txBody>
+        </p:sp>
+        <p:sp>
+          <p:nvSpPr>
+            <p:cNvPr id="10" name="직사각형 9"/>
+            <p:cNvSpPr/>
+            <p:nvPr/>
+          </p:nvSpPr>
+          <p:spPr>
+            <a:xfrm>
+              <a:off x="4608608" y="2908642"/>
+              <a:ext cx="309700" cy="307777"/>
+            </a:xfrm>
+            <a:prstGeom prst="rect">
+              <a:avLst/>
+            </a:prstGeom>
+          </p:spPr>
+          <p:txBody>
+            <a:bodyPr wrap="none">
+              <a:spAutoFit/>
+            </a:bodyPr>
+            <a:lstStyle/>
+            <a:p>
+              <a:r>
+                <a:rPr lang="en-US" altLang="ko-KR" sz="1400" b="1" dirty="0" smtClean="0">
+                  <a:solidFill>
+                    <a:schemeClr val="accent6">
+                      <a:lumMod val="20000"/>
+                      <a:lumOff val="80000"/>
+                    </a:schemeClr>
+                  </a:solidFill>
+                  <a:effectLst>
+                    <a:outerShdw blurRad="38100" dist="38100" dir="2700000" algn="tl">
+                      <a:srgbClr val="000000">
+                        <a:alpha val="43137"/>
+                      </a:srgbClr>
+                    </a:outerShdw>
+                  </a:effectLst>
+                  <a:latin typeface="Pretendard Light" panose="02000403000000020004" pitchFamily="50" charset="-127"/>
+                  <a:ea typeface="Pretendard Light" panose="02000403000000020004" pitchFamily="50" charset="-127"/>
+                  <a:cs typeface="Monotxt" panose="00000400000000000000" pitchFamily="2" charset="0"/>
+                </a:rPr>
+                <a:t>C</a:t>
+              </a:r>
+              <a:endParaRPr lang="ko-KR" altLang="en-US" sz="1400" b="1" dirty="0">
+                <a:solidFill>
+                  <a:schemeClr val="accent6">
+                    <a:lumMod val="20000"/>
+                    <a:lumOff val="80000"/>
+                  </a:schemeClr>
+                </a:solidFill>
+                <a:effectLst>
+                  <a:outerShdw blurRad="38100" dist="38100" dir="2700000" algn="tl">
+                    <a:srgbClr val="000000">
+                      <a:alpha val="43137"/>
+                    </a:srgbClr>
+                  </a:outerShdw>
+                </a:effectLst>
+                <a:latin typeface="Pretendard Light" panose="02000403000000020004" pitchFamily="50" charset="-127"/>
+                <a:ea typeface="Pretendard Light" panose="02000403000000020004" pitchFamily="50" charset="-127"/>
+                <a:cs typeface="Monotxt" panose="00000400000000000000" pitchFamily="2" charset="0"/>
+              </a:endParaRPr>
+            </a:p>
+          </p:txBody>
+        </p:sp>
+        <p:sp>
+          <p:nvSpPr>
+            <p:cNvPr id="51" name="직사각형 50"/>
+            <p:cNvSpPr/>
+            <p:nvPr/>
+          </p:nvSpPr>
+          <p:spPr>
+            <a:xfrm>
+              <a:off x="5103145" y="2969225"/>
+              <a:ext cx="251992" cy="261610"/>
+            </a:xfrm>
+            <a:prstGeom prst="rect">
+              <a:avLst/>
+            </a:prstGeom>
+          </p:spPr>
+          <p:txBody>
+            <a:bodyPr wrap="none">
+              <a:spAutoFit/>
+            </a:bodyPr>
+            <a:lstStyle/>
+            <a:p>
+              <a:r>
+                <a:rPr lang="en-US" altLang="ko-KR" sz="1050" b="1" dirty="0" smtClean="0">
+                  <a:solidFill>
+                    <a:schemeClr val="accent4">
+                      <a:lumMod val="20000"/>
+                      <a:lumOff val="80000"/>
+                    </a:schemeClr>
+                  </a:solidFill>
+                  <a:effectLst>
+                    <a:outerShdw blurRad="38100" dist="38100" dir="2700000" algn="tl">
+                      <a:srgbClr val="000000">
+                        <a:alpha val="43137"/>
+                      </a:srgbClr>
+                    </a:outerShdw>
+                  </a:effectLst>
+                  <a:latin typeface="Pretendard Light" panose="02000403000000020004" pitchFamily="50" charset="-127"/>
+                  <a:ea typeface="Pretendard Light" panose="02000403000000020004" pitchFamily="50" charset="-127"/>
+                  <a:cs typeface="Monotxt" panose="00000400000000000000" pitchFamily="2" charset="0"/>
+                </a:rPr>
+                <a:t>s</a:t>
+              </a:r>
+              <a:endParaRPr lang="ko-KR" altLang="en-US" sz="1050" b="1" dirty="0">
+                <a:solidFill>
+                  <a:schemeClr val="accent4">
+                    <a:lumMod val="20000"/>
+                    <a:lumOff val="80000"/>
+                  </a:schemeClr>
+                </a:solidFill>
+                <a:effectLst>
+                  <a:outerShdw blurRad="38100" dist="38100" dir="2700000" algn="tl">
+                    <a:srgbClr val="000000">
+                      <a:alpha val="43137"/>
+                    </a:srgbClr>
+                  </a:outerShdw>
+                </a:effectLst>
+                <a:latin typeface="Pretendard Light" panose="02000403000000020004" pitchFamily="50" charset="-127"/>
+                <a:ea typeface="Pretendard Light" panose="02000403000000020004" pitchFamily="50" charset="-127"/>
+                <a:cs typeface="Monotxt" panose="00000400000000000000" pitchFamily="2" charset="0"/>
+              </a:endParaRPr>
+            </a:p>
+          </p:txBody>
+        </p:sp>
+      </p:grpSp>
+      <p:grpSp>
+        <p:nvGrpSpPr>
+          <p:cNvPr id="86" name="그룹 85"/>
+          <p:cNvGrpSpPr/>
+          <p:nvPr/>
+        </p:nvGrpSpPr>
+        <p:grpSpPr>
+          <a:xfrm>
+            <a:off x="5652761" y="2475007"/>
+            <a:ext cx="2779928" cy="745829"/>
+            <a:chOff x="5570211" y="2278125"/>
+            <a:chExt cx="2779928" cy="745829"/>
+          </a:xfrm>
+        </p:grpSpPr>
+        <p:sp>
+          <p:nvSpPr>
+            <p:cNvPr id="4" name="TextBox 3"/>
+            <p:cNvSpPr txBox="1"/>
+            <p:nvPr/>
+          </p:nvSpPr>
+          <p:spPr>
+            <a:xfrm>
+              <a:off x="5570211" y="2278125"/>
+              <a:ext cx="2779928" cy="276999"/>
+            </a:xfrm>
+            <a:prstGeom prst="rect">
+              <a:avLst/>
+            </a:prstGeom>
+            <a:noFill/>
+          </p:spPr>
+          <p:txBody>
+            <a:bodyPr wrap="none" rtlCol="0">
+              <a:spAutoFit/>
+            </a:bodyPr>
+            <a:lstStyle/>
+            <a:p>
+              <a:r>
+                <a:rPr lang="en-US" altLang="ko-KR" sz="1200" b="1" dirty="0" smtClean="0">
+                  <a:solidFill>
+                    <a:schemeClr val="accent6">
+                      <a:lumMod val="40000"/>
+                      <a:lumOff val="60000"/>
+                    </a:schemeClr>
+                  </a:solidFill>
+                  <a:latin typeface="MS PGothic" panose="020B0600070205080204" pitchFamily="34" charset="-128"/>
+                  <a:ea typeface="MS PGothic" panose="020B0600070205080204" pitchFamily="34" charset="-128"/>
+                </a:rPr>
+                <a:t>A</a:t>
+              </a:r>
+              <a:r>
+                <a:rPr lang="en-US" altLang="ko-KR" sz="1200" dirty="0" smtClean="0">
+                  <a:solidFill>
+                    <a:schemeClr val="bg1"/>
+                  </a:solidFill>
+                  <a:latin typeface="MS PGothic" panose="020B0600070205080204" pitchFamily="34" charset="-128"/>
+                  <a:ea typeface="MS PGothic" panose="020B0600070205080204" pitchFamily="34" charset="-128"/>
+                </a:rPr>
+                <a:t>rchitecture, engineering &amp; construction</a:t>
+              </a:r>
+              <a:endParaRPr lang="ko-KR" altLang="en-US" sz="1200" dirty="0">
+                <a:solidFill>
+                  <a:schemeClr val="bg1"/>
+                </a:solidFill>
+                <a:latin typeface="MS PGothic" panose="020B0600070205080204" pitchFamily="34" charset="-128"/>
+                <a:ea typeface="리디바탕" panose="020B0600000101010101" pitchFamily="34" charset="-127"/>
+              </a:endParaRPr>
+            </a:p>
+          </p:txBody>
+        </p:sp>
+        <p:sp>
+          <p:nvSpPr>
+            <p:cNvPr id="52" name="TextBox 51"/>
+            <p:cNvSpPr txBox="1"/>
+            <p:nvPr/>
+          </p:nvSpPr>
+          <p:spPr>
+            <a:xfrm>
+              <a:off x="5935684" y="2518645"/>
+              <a:ext cx="1050352" cy="276999"/>
+            </a:xfrm>
+            <a:prstGeom prst="rect">
+              <a:avLst/>
+            </a:prstGeom>
+            <a:noFill/>
+          </p:spPr>
+          <p:txBody>
+            <a:bodyPr wrap="none" rtlCol="0">
+              <a:spAutoFit/>
+            </a:bodyPr>
+            <a:lstStyle/>
+            <a:p>
+              <a:r>
+                <a:rPr lang="en-US" altLang="ko-KR" sz="1200" b="1" dirty="0" smtClean="0">
+                  <a:solidFill>
+                    <a:schemeClr val="accent6">
+                      <a:lumMod val="40000"/>
+                      <a:lumOff val="60000"/>
+                    </a:schemeClr>
+                  </a:solidFill>
+                  <a:latin typeface="MS PGothic" panose="020B0600070205080204" pitchFamily="34" charset="-128"/>
+                  <a:ea typeface="MS PGothic" panose="020B0600070205080204" pitchFamily="34" charset="-128"/>
+                </a:rPr>
+                <a:t>B</a:t>
+              </a:r>
+              <a:r>
+                <a:rPr lang="en-US" altLang="ko-KR" sz="1200" dirty="0" smtClean="0">
+                  <a:solidFill>
+                    <a:schemeClr val="bg1"/>
+                  </a:solidFill>
+                  <a:latin typeface="MS PGothic" panose="020B0600070205080204" pitchFamily="34" charset="-128"/>
+                  <a:ea typeface="MS PGothic" panose="020B0600070205080204" pitchFamily="34" charset="-128"/>
+                </a:rPr>
+                <a:t>ased users’</a:t>
+              </a:r>
+              <a:endParaRPr lang="ko-KR" altLang="en-US" sz="1200" dirty="0">
+                <a:solidFill>
+                  <a:schemeClr val="bg1"/>
+                </a:solidFill>
+                <a:latin typeface="MS PGothic" panose="020B0600070205080204" pitchFamily="34" charset="-128"/>
+                <a:ea typeface="리디바탕" panose="020B0600000101010101" pitchFamily="34" charset="-127"/>
+              </a:endParaRPr>
+            </a:p>
+          </p:txBody>
+        </p:sp>
+        <p:sp>
+          <p:nvSpPr>
+            <p:cNvPr id="53" name="TextBox 52"/>
+            <p:cNvSpPr txBox="1"/>
+            <p:nvPr/>
+          </p:nvSpPr>
+          <p:spPr>
+            <a:xfrm>
+              <a:off x="6351695" y="2746955"/>
+              <a:ext cx="1133644" cy="276999"/>
+            </a:xfrm>
+            <a:prstGeom prst="rect">
+              <a:avLst/>
+            </a:prstGeom>
+            <a:noFill/>
+          </p:spPr>
+          <p:txBody>
+            <a:bodyPr wrap="none" rtlCol="0">
+              <a:spAutoFit/>
+            </a:bodyPr>
+            <a:lstStyle/>
+            <a:p>
+              <a:r>
+                <a:rPr lang="en-US" altLang="ko-KR" sz="1200" b="1" dirty="0" smtClean="0">
+                  <a:solidFill>
+                    <a:schemeClr val="accent6">
+                      <a:lumMod val="40000"/>
+                      <a:lumOff val="60000"/>
+                    </a:schemeClr>
+                  </a:solidFill>
+                  <a:latin typeface="MS PGothic" panose="020B0600070205080204" pitchFamily="34" charset="-128"/>
+                  <a:ea typeface="MS PGothic" panose="020B0600070205080204" pitchFamily="34" charset="-128"/>
+                </a:rPr>
+                <a:t>C</a:t>
+              </a:r>
+              <a:r>
+                <a:rPr lang="en-US" altLang="ko-KR" sz="1200" dirty="0" smtClean="0">
+                  <a:solidFill>
+                    <a:schemeClr val="bg1"/>
+                  </a:solidFill>
+                  <a:latin typeface="MS PGothic" panose="020B0600070205080204" pitchFamily="34" charset="-128"/>
+                  <a:ea typeface="MS PGothic" panose="020B0600070205080204" pitchFamily="34" charset="-128"/>
+                </a:rPr>
+                <a:t>oding </a:t>
+              </a:r>
+              <a:r>
+                <a:rPr lang="en-US" altLang="ko-KR" sz="1200" b="1" dirty="0" smtClean="0">
+                  <a:solidFill>
+                    <a:schemeClr val="accent4">
+                      <a:lumMod val="60000"/>
+                      <a:lumOff val="40000"/>
+                    </a:schemeClr>
+                  </a:solidFill>
+                  <a:latin typeface="MS PGothic" panose="020B0600070205080204" pitchFamily="34" charset="-128"/>
+                  <a:ea typeface="MS PGothic" panose="020B0600070205080204" pitchFamily="34" charset="-128"/>
+                </a:rPr>
+                <a:t>s</a:t>
+              </a:r>
+              <a:r>
+                <a:rPr lang="en-US" altLang="ko-KR" sz="1200" dirty="0" smtClean="0">
+                  <a:solidFill>
+                    <a:schemeClr val="bg1"/>
+                  </a:solidFill>
+                  <a:latin typeface="MS PGothic" panose="020B0600070205080204" pitchFamily="34" charset="-128"/>
+                  <a:ea typeface="MS PGothic" panose="020B0600070205080204" pitchFamily="34" charset="-128"/>
+                </a:rPr>
+                <a:t>ociety</a:t>
+              </a:r>
+              <a:endParaRPr lang="ko-KR" altLang="en-US" sz="1200" dirty="0">
+                <a:solidFill>
+                  <a:schemeClr val="bg1"/>
+                </a:solidFill>
+                <a:latin typeface="MS PGothic" panose="020B0600070205080204" pitchFamily="34" charset="-128"/>
+                <a:ea typeface="리디바탕" panose="020B0600000101010101" pitchFamily="34" charset="-127"/>
+              </a:endParaRPr>
+            </a:p>
+          </p:txBody>
+        </p:sp>
+      </p:grpSp>
+      <p:sp>
+        <p:nvSpPr>
+          <p:cNvPr id="2" name="직사각형 1"/>
+          <p:cNvSpPr/>
+          <p:nvPr/>
+        </p:nvSpPr>
+        <p:spPr>
+          <a:xfrm>
+            <a:off x="5650107" y="2443175"/>
+            <a:ext cx="2833493" cy="834798"/>
+          </a:xfrm>
+          <a:prstGeom prst="rect">
+            <a:avLst/>
+          </a:prstGeom>
+          <a:noFill/>
+          <a:ln w="9525">
+            <a:solidFill>
+              <a:schemeClr val="bg1"/>
+            </a:solidFill>
+          </a:ln>
+        </p:spPr>
+        <p:style>
+          <a:lnRef idx="2">
+            <a:schemeClr val="accent1">
+              <a:shade val="50000"/>
+            </a:schemeClr>
+          </a:lnRef>
+          <a:fillRef idx="1">
+            <a:schemeClr val="accent1"/>
+          </a:fillRef>
+          <a:effectRef idx="0">
+            <a:schemeClr val="accent1"/>
+          </a:effectRef>
+          <a:fontRef idx="minor">
+            <a:schemeClr val="lt1"/>
+          </a:fontRef>
+        </p:style>
+        <p:txBody>
+          <a:bodyPr rtlCol="0" anchor="ctr"/>
+          <a:lstStyle/>
+          <a:p>
+            <a:pPr algn="ctr"/>
+            <a:endParaRPr lang="ko-KR" altLang="en-US"/>
+          </a:p>
+        </p:txBody>
+      </p:sp>
+    </p:spTree>
+    <p:extLst>
+      <p:ext uri="{BB962C8B-B14F-4D97-AF65-F5344CB8AC3E}">
+        <p14:creationId xmlns:p14="http://schemas.microsoft.com/office/powerpoint/2010/main" val="3718093984"/>
+      </p:ext>
+    </p:extLst>
+  </p:cSld>
+  <p:clrMapOvr>
+    <a:masterClrMapping/>
+  </p:clrMapOvr>
+</p:sld>
+</file>
+
 <file path=ppt/theme/theme1.xml><?xml version="1.0" encoding="utf-8"?>
 <a:theme xmlns:a="http://schemas.openxmlformats.org/drawingml/2006/main" name="Office 테마">
   <a:themeElements>

--- a/ABCs/documentum/community main img.pptx
+++ b/ABCs/documentum/community main img.pptx
@@ -244,7 +244,7 @@
           <a:p>
             <a:fld id="{FBB52BB6-E37A-48B6-9966-A9AF97AC07AD}" type="datetimeFigureOut">
               <a:rPr lang="ko-KR" altLang="en-US" smtClean="0"/>
-              <a:t>2022-12-19</a:t>
+              <a:t>2022-12-20</a:t>
             </a:fld>
             <a:endParaRPr lang="ko-KR" altLang="en-US"/>
           </a:p>
@@ -414,7 +414,7 @@
           <a:p>
             <a:fld id="{FBB52BB6-E37A-48B6-9966-A9AF97AC07AD}" type="datetimeFigureOut">
               <a:rPr lang="ko-KR" altLang="en-US" smtClean="0"/>
-              <a:t>2022-12-19</a:t>
+              <a:t>2022-12-20</a:t>
             </a:fld>
             <a:endParaRPr lang="ko-KR" altLang="en-US"/>
           </a:p>
@@ -594,7 +594,7 @@
           <a:p>
             <a:fld id="{FBB52BB6-E37A-48B6-9966-A9AF97AC07AD}" type="datetimeFigureOut">
               <a:rPr lang="ko-KR" altLang="en-US" smtClean="0"/>
-              <a:t>2022-12-19</a:t>
+              <a:t>2022-12-20</a:t>
             </a:fld>
             <a:endParaRPr lang="ko-KR" altLang="en-US"/>
           </a:p>
@@ -764,7 +764,7 @@
           <a:p>
             <a:fld id="{FBB52BB6-E37A-48B6-9966-A9AF97AC07AD}" type="datetimeFigureOut">
               <a:rPr lang="ko-KR" altLang="en-US" smtClean="0"/>
-              <a:t>2022-12-19</a:t>
+              <a:t>2022-12-20</a:t>
             </a:fld>
             <a:endParaRPr lang="ko-KR" altLang="en-US"/>
           </a:p>
@@ -1010,7 +1010,7 @@
           <a:p>
             <a:fld id="{FBB52BB6-E37A-48B6-9966-A9AF97AC07AD}" type="datetimeFigureOut">
               <a:rPr lang="ko-KR" altLang="en-US" smtClean="0"/>
-              <a:t>2022-12-19</a:t>
+              <a:t>2022-12-20</a:t>
             </a:fld>
             <a:endParaRPr lang="ko-KR" altLang="en-US"/>
           </a:p>
@@ -1242,7 +1242,7 @@
           <a:p>
             <a:fld id="{FBB52BB6-E37A-48B6-9966-A9AF97AC07AD}" type="datetimeFigureOut">
               <a:rPr lang="ko-KR" altLang="en-US" smtClean="0"/>
-              <a:t>2022-12-19</a:t>
+              <a:t>2022-12-20</a:t>
             </a:fld>
             <a:endParaRPr lang="ko-KR" altLang="en-US"/>
           </a:p>
@@ -1609,7 +1609,7 @@
           <a:p>
             <a:fld id="{FBB52BB6-E37A-48B6-9966-A9AF97AC07AD}" type="datetimeFigureOut">
               <a:rPr lang="ko-KR" altLang="en-US" smtClean="0"/>
-              <a:t>2022-12-19</a:t>
+              <a:t>2022-12-20</a:t>
             </a:fld>
             <a:endParaRPr lang="ko-KR" altLang="en-US"/>
           </a:p>
@@ -1727,7 +1727,7 @@
           <a:p>
             <a:fld id="{FBB52BB6-E37A-48B6-9966-A9AF97AC07AD}" type="datetimeFigureOut">
               <a:rPr lang="ko-KR" altLang="en-US" smtClean="0"/>
-              <a:t>2022-12-19</a:t>
+              <a:t>2022-12-20</a:t>
             </a:fld>
             <a:endParaRPr lang="ko-KR" altLang="en-US"/>
           </a:p>
@@ -1822,7 +1822,7 @@
           <a:p>
             <a:fld id="{FBB52BB6-E37A-48B6-9966-A9AF97AC07AD}" type="datetimeFigureOut">
               <a:rPr lang="ko-KR" altLang="en-US" smtClean="0"/>
-              <a:t>2022-12-19</a:t>
+              <a:t>2022-12-20</a:t>
             </a:fld>
             <a:endParaRPr lang="ko-KR" altLang="en-US"/>
           </a:p>
@@ -2099,7 +2099,7 @@
           <a:p>
             <a:fld id="{FBB52BB6-E37A-48B6-9966-A9AF97AC07AD}" type="datetimeFigureOut">
               <a:rPr lang="ko-KR" altLang="en-US" smtClean="0"/>
-              <a:t>2022-12-19</a:t>
+              <a:t>2022-12-20</a:t>
             </a:fld>
             <a:endParaRPr lang="ko-KR" altLang="en-US"/>
           </a:p>
@@ -2352,7 +2352,7 @@
           <a:p>
             <a:fld id="{FBB52BB6-E37A-48B6-9966-A9AF97AC07AD}" type="datetimeFigureOut">
               <a:rPr lang="ko-KR" altLang="en-US" smtClean="0"/>
-              <a:t>2022-12-19</a:t>
+              <a:t>2022-12-20</a:t>
             </a:fld>
             <a:endParaRPr lang="ko-KR" altLang="en-US"/>
           </a:p>
@@ -2565,7 +2565,7 @@
           <a:p>
             <a:fld id="{FBB52BB6-E37A-48B6-9966-A9AF97AC07AD}" type="datetimeFigureOut">
               <a:rPr lang="ko-KR" altLang="en-US" smtClean="0"/>
-              <a:t>2022-12-19</a:t>
+              <a:t>2022-12-20</a:t>
             </a:fld>
             <a:endParaRPr lang="ko-KR" altLang="en-US"/>
           </a:p>
@@ -4865,8 +4865,8 @@
         </p:nvSpPr>
         <p:spPr>
           <a:xfrm>
-            <a:off x="2857500" y="2305050"/>
-            <a:ext cx="5895975" cy="1098550"/>
+            <a:off x="2613660" y="2305050"/>
+            <a:ext cx="6139816" cy="1098550"/>
           </a:xfrm>
           <a:prstGeom prst="rect">
             <a:avLst/>
@@ -4914,7 +4914,7 @@
         </p:nvGrpSpPr>
         <p:grpSpPr>
           <a:xfrm>
-            <a:off x="4693863" y="2826511"/>
+            <a:off x="4685007" y="2826511"/>
             <a:ext cx="775523" cy="451463"/>
             <a:chOff x="5654821" y="4287807"/>
             <a:chExt cx="891783" cy="519143"/>
@@ -5121,10 +5121,10 @@
         </p:nvGrpSpPr>
         <p:grpSpPr>
           <a:xfrm>
-            <a:off x="3135435" y="2675889"/>
-            <a:ext cx="588489" cy="602086"/>
-            <a:chOff x="2873879" y="2388955"/>
-            <a:chExt cx="868942" cy="889019"/>
+            <a:off x="2914587" y="2715527"/>
+            <a:ext cx="759910" cy="562448"/>
+            <a:chOff x="2873879" y="2447483"/>
+            <a:chExt cx="868942" cy="830491"/>
           </a:xfrm>
         </p:grpSpPr>
         <p:sp>
@@ -5333,8 +5333,8 @@
           </p:nvSpPr>
           <p:spPr>
             <a:xfrm>
-              <a:off x="2873879" y="2388955"/>
-              <a:ext cx="134975" cy="889019"/>
+              <a:off x="2873879" y="2447483"/>
+              <a:ext cx="134975" cy="830491"/>
             </a:xfrm>
             <a:prstGeom prst="rect">
               <a:avLst/>
@@ -5935,10 +5935,10 @@
         </p:nvGrpSpPr>
         <p:grpSpPr>
           <a:xfrm>
-            <a:off x="3298350" y="2991192"/>
-            <a:ext cx="2139337" cy="322193"/>
-            <a:chOff x="3215800" y="2908642"/>
-            <a:chExt cx="2139337" cy="322193"/>
+            <a:off x="3185718" y="2991192"/>
+            <a:ext cx="2237683" cy="322193"/>
+            <a:chOff x="3103168" y="2908642"/>
+            <a:chExt cx="2237683" cy="322193"/>
           </a:xfrm>
         </p:grpSpPr>
         <p:sp>
@@ -5949,7 +5949,7 @@
           </p:nvSpPr>
           <p:spPr>
             <a:xfrm>
-              <a:off x="3215800" y="2908642"/>
+              <a:off x="3103168" y="2908642"/>
               <a:ext cx="298480" cy="307777"/>
             </a:xfrm>
             <a:prstGeom prst="rect">
@@ -5966,11 +5966,11 @@
             <a:lstStyle/>
             <a:p>
               <a:r>
-                <a:rPr lang="en-US" altLang="ko-KR" sz="1400" b="1" dirty="0" smtClean="0">
+                <a:rPr lang="en-US" altLang="ko-KR" sz="1400" dirty="0" smtClean="0">
                   <a:solidFill>
-                    <a:schemeClr val="accent6">
-                      <a:lumMod val="20000"/>
-                      <a:lumOff val="80000"/>
+                    <a:schemeClr val="tx1">
+                      <a:lumMod val="65000"/>
+                      <a:lumOff val="35000"/>
                     </a:schemeClr>
                   </a:solidFill>
                   <a:effectLst>
@@ -5986,11 +5986,11 @@
                 </a:rPr>
                 <a:t>A</a:t>
               </a:r>
-              <a:endParaRPr lang="ko-KR" altLang="en-US" sz="1400" b="1" dirty="0">
+              <a:endParaRPr lang="ko-KR" altLang="en-US" sz="1400" dirty="0">
                 <a:solidFill>
-                  <a:schemeClr val="accent6">
-                    <a:lumMod val="20000"/>
-                    <a:lumOff val="80000"/>
+                  <a:schemeClr val="tx1">
+                    <a:lumMod val="65000"/>
+                    <a:lumOff val="35000"/>
                   </a:schemeClr>
                 </a:solidFill>
                 <a:effectLst>
@@ -6029,11 +6029,11 @@
             <a:lstStyle/>
             <a:p>
               <a:r>
-                <a:rPr lang="en-US" altLang="ko-KR" sz="1400" b="1" dirty="0" smtClean="0">
+                <a:rPr lang="en-US" altLang="ko-KR" sz="1400" dirty="0" smtClean="0">
                   <a:solidFill>
-                    <a:schemeClr val="accent6">
-                      <a:lumMod val="20000"/>
-                      <a:lumOff val="80000"/>
+                    <a:schemeClr val="tx1">
+                      <a:lumMod val="65000"/>
+                      <a:lumOff val="35000"/>
                     </a:schemeClr>
                   </a:solidFill>
                   <a:effectLst>
@@ -6049,11 +6049,11 @@
                 </a:rPr>
                 <a:t>B</a:t>
               </a:r>
-              <a:endParaRPr lang="ko-KR" altLang="en-US" sz="1400" b="1" dirty="0">
+              <a:endParaRPr lang="ko-KR" altLang="en-US" sz="1400" dirty="0">
                 <a:solidFill>
-                  <a:schemeClr val="accent6">
-                    <a:lumMod val="20000"/>
-                    <a:lumOff val="80000"/>
+                  <a:schemeClr val="tx1">
+                    <a:lumMod val="65000"/>
+                    <a:lumOff val="35000"/>
                   </a:schemeClr>
                 </a:solidFill>
                 <a:effectLst>
@@ -6078,7 +6078,7 @@
           </p:nvSpPr>
           <p:spPr>
             <a:xfrm>
-              <a:off x="4608608" y="2908642"/>
+              <a:off x="4606227" y="2908642"/>
               <a:ext cx="309700" cy="307777"/>
             </a:xfrm>
             <a:prstGeom prst="rect">
@@ -6092,11 +6092,11 @@
             <a:lstStyle/>
             <a:p>
               <a:r>
-                <a:rPr lang="en-US" altLang="ko-KR" sz="1400" b="1" dirty="0" smtClean="0">
+                <a:rPr lang="en-US" altLang="ko-KR" sz="1400" dirty="0" smtClean="0">
                   <a:solidFill>
-                    <a:schemeClr val="accent6">
-                      <a:lumMod val="20000"/>
-                      <a:lumOff val="80000"/>
+                    <a:schemeClr val="tx1">
+                      <a:lumMod val="65000"/>
+                      <a:lumOff val="35000"/>
                     </a:schemeClr>
                   </a:solidFill>
                   <a:effectLst>
@@ -6112,11 +6112,11 @@
                 </a:rPr>
                 <a:t>C</a:t>
               </a:r>
-              <a:endParaRPr lang="ko-KR" altLang="en-US" sz="1400" b="1" dirty="0">
+              <a:endParaRPr lang="ko-KR" altLang="en-US" sz="1400" dirty="0">
                 <a:solidFill>
-                  <a:schemeClr val="accent6">
-                    <a:lumMod val="20000"/>
-                    <a:lumOff val="80000"/>
+                  <a:schemeClr val="tx1">
+                    <a:lumMod val="65000"/>
+                    <a:lumOff val="35000"/>
                   </a:schemeClr>
                 </a:solidFill>
                 <a:effectLst>
@@ -6141,7 +6141,7 @@
           </p:nvSpPr>
           <p:spPr>
             <a:xfrm>
-              <a:off x="5103145" y="2969225"/>
+              <a:off x="5088859" y="2969225"/>
               <a:ext cx="251992" cy="261610"/>
             </a:xfrm>
             <a:prstGeom prst="rect">
@@ -6155,11 +6155,11 @@
             <a:lstStyle/>
             <a:p>
               <a:r>
-                <a:rPr lang="en-US" altLang="ko-KR" sz="1050" b="1" dirty="0" smtClean="0">
+                <a:rPr lang="en-US" altLang="ko-KR" sz="1050" dirty="0" smtClean="0">
                   <a:solidFill>
-                    <a:schemeClr val="accent4">
-                      <a:lumMod val="20000"/>
-                      <a:lumOff val="80000"/>
+                    <a:schemeClr val="tx1">
+                      <a:lumMod val="65000"/>
+                      <a:lumOff val="35000"/>
                     </a:schemeClr>
                   </a:solidFill>
                   <a:effectLst>
@@ -6175,11 +6175,11 @@
                 </a:rPr>
                 <a:t>s</a:t>
               </a:r>
-              <a:endParaRPr lang="ko-KR" altLang="en-US" sz="1050" b="1" dirty="0">
+              <a:endParaRPr lang="ko-KR" altLang="en-US" sz="1050" dirty="0">
                 <a:solidFill>
-                  <a:schemeClr val="accent4">
-                    <a:lumMod val="20000"/>
-                    <a:lumOff val="80000"/>
+                  <a:schemeClr val="tx1">
+                    <a:lumMod val="65000"/>
+                    <a:lumOff val="35000"/>
                   </a:schemeClr>
                 </a:solidFill>
                 <a:effectLst>
